--- a/3D graphics/SIM/lesson 4/Workshop 4b 3D Transformation.pptx
+++ b/3D graphics/SIM/lesson 4/Workshop 4b 3D Transformation.pptx
@@ -5,7 +5,7 @@
     <p:sldMasterId id="2147483895" r:id="rId1"/>
   </p:sldMasterIdLst>
   <p:notesMasterIdLst>
-    <p:notesMasterId r:id="rId12"/>
+    <p:notesMasterId r:id="rId13"/>
   </p:notesMasterIdLst>
   <p:sldIdLst>
     <p:sldId id="347" r:id="rId2"/>
@@ -18,6 +18,7 @@
     <p:sldId id="354" r:id="rId9"/>
     <p:sldId id="355" r:id="rId10"/>
     <p:sldId id="350" r:id="rId11"/>
+    <p:sldId id="356" r:id="rId12"/>
   </p:sldIdLst>
   <p:sldSz cx="9144000" cy="6858000" type="screen4x3"/>
   <p:notesSz cx="6858000" cy="9144000"/>
@@ -217,7 +218,7 @@
           <a:p>
             <a:fld id="{4F9C34C9-CBC7-B048-B4D1-D831EB5D4B97}" type="datetimeFigureOut">
               <a:rPr lang="en-US" smtClean="0"/>
-              <a:t>11/8/21</a:t>
+              <a:t>11/7/2022</a:t>
             </a:fld>
             <a:endParaRPr lang="en-US"/>
           </a:p>
@@ -701,7 +702,7 @@
           <a:p>
             <a:fld id="{9AB3A824-1A51-4B26-AD58-A6D8E14F6C04}" type="datetimeFigureOut">
               <a:rPr lang="en-US" smtClean="0"/>
-              <a:t>11/8/21</a:t>
+              <a:t>11/7/2022</a:t>
             </a:fld>
             <a:endParaRPr lang="en-US" dirty="0"/>
           </a:p>
@@ -1043,7 +1044,7 @@
             <a:fld id="{8E36636D-D922-432D-A958-524484B5923D}" type="datetimeFigureOut">
               <a:rPr lang="en-US" smtClean="0"/>
               <a:pPr/>
-              <a:t>11/8/21</a:t>
+              <a:t>11/7/2022</a:t>
             </a:fld>
             <a:endParaRPr lang="en-US"/>
           </a:p>
@@ -1347,7 +1348,7 @@
           <a:p>
             <a:fld id="{D3FFE419-2371-464F-8239-3959401C3561}" type="datetimeFigureOut">
               <a:rPr lang="en-US" smtClean="0"/>
-              <a:t>11/8/21</a:t>
+              <a:t>11/7/2022</a:t>
             </a:fld>
             <a:endParaRPr lang="en-US" dirty="0"/>
           </a:p>
@@ -1597,7 +1598,7 @@
             <a:fld id="{8E36636D-D922-432D-A958-524484B5923D}" type="datetimeFigureOut">
               <a:rPr lang="en-US" smtClean="0"/>
               <a:pPr/>
-              <a:t>11/8/21</a:t>
+              <a:t>11/7/2022</a:t>
             </a:fld>
             <a:endParaRPr lang="en-US"/>
           </a:p>
@@ -1965,7 +1966,7 @@
           <a:p>
             <a:fld id="{3E5059C3-6A89-4494-99FF-5A4D6FFD50EB}" type="datetimeFigureOut">
               <a:rPr lang="en-US" smtClean="0"/>
-              <a:t>11/8/21</a:t>
+              <a:t>11/7/2022</a:t>
             </a:fld>
             <a:endParaRPr lang="en-US" dirty="0"/>
           </a:p>
@@ -2284,7 +2285,7 @@
           <a:p>
             <a:fld id="{CA954B2F-12DE-47F5-8894-472B206D2E1E}" type="datetimeFigureOut">
               <a:rPr lang="en-US" smtClean="0"/>
-              <a:t>11/8/21</a:t>
+              <a:t>11/7/2022</a:t>
             </a:fld>
             <a:endParaRPr lang="en-US" dirty="0"/>
           </a:p>
@@ -2868,7 +2869,7 @@
           <a:p>
             <a:fld id="{3F30E46F-7819-4ACF-B48B-48222C2ACC88}" type="datetimeFigureOut">
               <a:rPr lang="en-US" smtClean="0"/>
-              <a:t>11/8/21</a:t>
+              <a:t>11/7/2022</a:t>
             </a:fld>
             <a:endParaRPr lang="en-US" dirty="0"/>
           </a:p>
@@ -3106,7 +3107,7 @@
           <a:p>
             <a:fld id="{1FAF3416-4057-4DAA-829D-4CA07428D088}" type="datetimeFigureOut">
               <a:rPr lang="en-US" smtClean="0"/>
-              <a:t>11/8/21</a:t>
+              <a:t>11/7/2022</a:t>
             </a:fld>
             <a:endParaRPr lang="en-US" dirty="0"/>
           </a:p>
@@ -3280,7 +3281,7 @@
           <a:p>
             <a:fld id="{921D9284-D300-4297-87F7-E791DCC15DB1}" type="datetimeFigureOut">
               <a:rPr lang="en-US" smtClean="0"/>
-              <a:t>11/8/21</a:t>
+              <a:t>11/7/2022</a:t>
             </a:fld>
             <a:endParaRPr lang="en-US" dirty="0"/>
           </a:p>
@@ -3653,7 +3654,7 @@
           <a:p>
             <a:fld id="{37D525BB-DA17-4BA0-B3C8-3AC3ABC827E6}" type="datetimeFigureOut">
               <a:rPr lang="en-US" smtClean="0"/>
-              <a:t>11/8/21</a:t>
+              <a:t>11/7/2022</a:t>
             </a:fld>
             <a:endParaRPr lang="en-US" dirty="0"/>
           </a:p>
@@ -4058,7 +4059,7 @@
           <a:p>
             <a:fld id="{B16C4C9A-3960-41CF-A4E9-2A8FB932454B}" type="datetimeFigureOut">
               <a:rPr lang="en-US" smtClean="0"/>
-              <a:t>11/8/21</a:t>
+              <a:t>11/7/2022</a:t>
             </a:fld>
             <a:endParaRPr lang="en-US" dirty="0"/>
           </a:p>
@@ -4151,7 +4152,7 @@
           <p:nvPr/>
         </p:nvPicPr>
         <p:blipFill>
-          <a:blip r:embed="rId13">
+          <a:blip r:embed="rId13" cstate="email">
             <a:extLst>
               <a:ext uri="{28A0092B-C50C-407E-A947-70E740481C1C}">
                 <a14:useLocalDpi xmlns:a14="http://schemas.microsoft.com/office/drawing/2010/main" val="0"/>
@@ -4181,7 +4182,7 @@
           <p:nvPr/>
         </p:nvPicPr>
         <p:blipFill rotWithShape="1">
-          <a:blip r:embed="rId14">
+          <a:blip r:embed="rId14" cstate="email">
             <a:extLst>
               <a:ext uri="{28A0092B-C50C-407E-A947-70E740481C1C}">
                 <a14:useLocalDpi xmlns:a14="http://schemas.microsoft.com/office/drawing/2010/main" val="0"/>
@@ -4409,7 +4410,7 @@
             <a:fld id="{3CBC1C18-307B-4F68-A007-B5B542270E8D}" type="datetimeFigureOut">
               <a:rPr lang="en-US" smtClean="0"/>
               <a:pPr/>
-              <a:t>11/8/21</a:t>
+              <a:t>11/7/2022</a:t>
             </a:fld>
             <a:endParaRPr lang="en-US" dirty="0"/>
           </a:p>
@@ -5011,6 +5012,12 @@
               <a:t>The shoulder, elbow and wrist joint of a skeleton have the following transform matrices given below. What is the position of the wrist? Assume the base is at [1,1,1] </a:t>
             </a:r>
           </a:p>
+          <a:p>
+            <a:r>
+              <a:rPr lang="en-SG" dirty="0"/>
+              <a:t>Transform from shoulder&gt;elbow&gt;wrist</a:t>
+            </a:r>
+          </a:p>
         </p:txBody>
       </p:sp>
       <p:pic>
@@ -5028,7 +5035,7 @@
           <p:nvPr/>
         </p:nvPicPr>
         <p:blipFill>
-          <a:blip r:embed="rId2">
+          <a:blip r:embed="rId2" cstate="email">
             <a:extLst>
               <a:ext uri="{28A0092B-C50C-407E-A947-70E740481C1C}">
                 <a14:useLocalDpi xmlns:a14="http://schemas.microsoft.com/office/drawing/2010/main" val="0"/>
@@ -5041,7 +5048,7 @@
         </p:blipFill>
         <p:spPr>
           <a:xfrm>
-            <a:off x="1723696" y="3120915"/>
+            <a:off x="1613597" y="4007035"/>
             <a:ext cx="6102027" cy="2722837"/>
           </a:xfrm>
           <a:prstGeom prst="rect">
@@ -5053,6 +5060,210 @@
     <p:extLst>
       <p:ext uri="{BB962C8B-B14F-4D97-AF65-F5344CB8AC3E}">
         <p14:creationId xmlns:p14="http://schemas.microsoft.com/office/powerpoint/2010/main" val="965571897"/>
+      </p:ext>
+    </p:extLst>
+  </p:cSld>
+  <p:clrMapOvr>
+    <a:masterClrMapping/>
+  </p:clrMapOvr>
+</p:sld>
+</file>
+
+<file path=ppt/slides/slide11.xml><?xml version="1.0" encoding="utf-8"?>
+<p:sld xmlns:a="http://schemas.openxmlformats.org/drawingml/2006/main" xmlns:r="http://schemas.openxmlformats.org/officeDocument/2006/relationships" xmlns:p="http://schemas.openxmlformats.org/presentationml/2006/main">
+  <p:cSld>
+    <p:spTree>
+      <p:nvGrpSpPr>
+        <p:cNvPr id="1" name=""/>
+        <p:cNvGrpSpPr/>
+        <p:nvPr/>
+      </p:nvGrpSpPr>
+      <p:grpSpPr>
+        <a:xfrm>
+          <a:off x="0" y="0"/>
+          <a:ext cx="0" cy="0"/>
+          <a:chOff x="0" y="0"/>
+          <a:chExt cx="0" cy="0"/>
+        </a:xfrm>
+      </p:grpSpPr>
+      <p:sp>
+        <p:nvSpPr>
+          <p:cNvPr id="2" name="Title 1">
+            <a:extLst>
+              <a:ext uri="{FF2B5EF4-FFF2-40B4-BE49-F238E27FC236}">
+                <a16:creationId xmlns:a16="http://schemas.microsoft.com/office/drawing/2014/main" id="{E62D5487-55A7-20A2-542A-108B9895EDD3}"/>
+              </a:ext>
+            </a:extLst>
+          </p:cNvPr>
+          <p:cNvSpPr>
+            <a:spLocks noGrp="1"/>
+          </p:cNvSpPr>
+          <p:nvPr>
+            <p:ph type="title"/>
+          </p:nvPr>
+        </p:nvSpPr>
+        <p:spPr/>
+        <p:txBody>
+          <a:bodyPr/>
+          <a:lstStyle/>
+          <a:p>
+            <a:endParaRPr lang="en-GB"/>
+          </a:p>
+        </p:txBody>
+      </p:sp>
+      <p:pic>
+        <p:nvPicPr>
+          <p:cNvPr id="5" name="Content Placeholder 4">
+            <a:extLst>
+              <a:ext uri="{FF2B5EF4-FFF2-40B4-BE49-F238E27FC236}">
+                <a16:creationId xmlns:a16="http://schemas.microsoft.com/office/drawing/2014/main" id="{218C8661-AD6F-37E2-425C-93FF21682BBE}"/>
+              </a:ext>
+            </a:extLst>
+          </p:cNvPr>
+          <p:cNvPicPr>
+            <a:picLocks noGrp="1" noChangeAspect="1"/>
+          </p:cNvPicPr>
+          <p:nvPr>
+            <p:ph idx="1"/>
+          </p:nvPr>
+        </p:nvPicPr>
+        <p:blipFill>
+          <a:blip r:embed="rId2"/>
+          <a:stretch>
+            <a:fillRect/>
+          </a:stretch>
+        </p:blipFill>
+        <p:spPr>
+          <a:xfrm>
+            <a:off x="4900322" y="42741"/>
+            <a:ext cx="1536846" cy="1077229"/>
+          </a:xfrm>
+        </p:spPr>
+      </p:pic>
+      <p:pic>
+        <p:nvPicPr>
+          <p:cNvPr id="7" name="Picture 6">
+            <a:extLst>
+              <a:ext uri="{FF2B5EF4-FFF2-40B4-BE49-F238E27FC236}">
+                <a16:creationId xmlns:a16="http://schemas.microsoft.com/office/drawing/2014/main" id="{B3BD1AB1-5863-AD1A-A31C-593AAF937725}"/>
+              </a:ext>
+            </a:extLst>
+          </p:cNvPr>
+          <p:cNvPicPr>
+            <a:picLocks noChangeAspect="1"/>
+          </p:cNvPicPr>
+          <p:nvPr/>
+        </p:nvPicPr>
+        <p:blipFill>
+          <a:blip r:embed="rId3"/>
+          <a:stretch>
+            <a:fillRect/>
+          </a:stretch>
+        </p:blipFill>
+        <p:spPr>
+          <a:xfrm>
+            <a:off x="3219703" y="42741"/>
+            <a:ext cx="1576433" cy="1077229"/>
+          </a:xfrm>
+          <a:prstGeom prst="rect">
+            <a:avLst/>
+          </a:prstGeom>
+        </p:spPr>
+      </p:pic>
+      <p:pic>
+        <p:nvPicPr>
+          <p:cNvPr id="9" name="Picture 8">
+            <a:extLst>
+              <a:ext uri="{FF2B5EF4-FFF2-40B4-BE49-F238E27FC236}">
+                <a16:creationId xmlns:a16="http://schemas.microsoft.com/office/drawing/2014/main" id="{6A14ECDF-BDC8-049E-4B7C-EF65FA74B05B}"/>
+              </a:ext>
+            </a:extLst>
+          </p:cNvPr>
+          <p:cNvPicPr>
+            <a:picLocks noChangeAspect="1"/>
+          </p:cNvPicPr>
+          <p:nvPr/>
+        </p:nvPicPr>
+        <p:blipFill>
+          <a:blip r:embed="rId4"/>
+          <a:stretch>
+            <a:fillRect/>
+          </a:stretch>
+        </p:blipFill>
+        <p:spPr>
+          <a:xfrm>
+            <a:off x="1004519" y="176757"/>
+            <a:ext cx="2110999" cy="943213"/>
+          </a:xfrm>
+          <a:prstGeom prst="rect">
+            <a:avLst/>
+          </a:prstGeom>
+        </p:spPr>
+      </p:pic>
+      <p:pic>
+        <p:nvPicPr>
+          <p:cNvPr id="11" name="Picture 10">
+            <a:extLst>
+              <a:ext uri="{FF2B5EF4-FFF2-40B4-BE49-F238E27FC236}">
+                <a16:creationId xmlns:a16="http://schemas.microsoft.com/office/drawing/2014/main" id="{2F1D779D-08F4-D1F7-8E7F-519756128818}"/>
+              </a:ext>
+            </a:extLst>
+          </p:cNvPr>
+          <p:cNvPicPr>
+            <a:picLocks noChangeAspect="1"/>
+          </p:cNvPicPr>
+          <p:nvPr/>
+        </p:nvPicPr>
+        <p:blipFill>
+          <a:blip r:embed="rId5"/>
+          <a:stretch>
+            <a:fillRect/>
+          </a:stretch>
+        </p:blipFill>
+        <p:spPr>
+          <a:xfrm>
+            <a:off x="6576078" y="42741"/>
+            <a:ext cx="488356" cy="1069732"/>
+          </a:xfrm>
+          <a:prstGeom prst="rect">
+            <a:avLst/>
+          </a:prstGeom>
+        </p:spPr>
+      </p:pic>
+      <p:pic>
+        <p:nvPicPr>
+          <p:cNvPr id="13" name="Picture 12">
+            <a:extLst>
+              <a:ext uri="{FF2B5EF4-FFF2-40B4-BE49-F238E27FC236}">
+                <a16:creationId xmlns:a16="http://schemas.microsoft.com/office/drawing/2014/main" id="{3AE3F0FF-A916-7C47-2C2D-852CA3784347}"/>
+              </a:ext>
+            </a:extLst>
+          </p:cNvPr>
+          <p:cNvPicPr>
+            <a:picLocks noChangeAspect="1"/>
+          </p:cNvPicPr>
+          <p:nvPr/>
+        </p:nvPicPr>
+        <p:blipFill>
+          <a:blip r:embed="rId6"/>
+          <a:stretch>
+            <a:fillRect/>
+          </a:stretch>
+        </p:blipFill>
+        <p:spPr>
+          <a:xfrm>
+            <a:off x="1861804" y="1196068"/>
+            <a:ext cx="4691125" cy="5465161"/>
+          </a:xfrm>
+          <a:prstGeom prst="rect">
+            <a:avLst/>
+          </a:prstGeom>
+        </p:spPr>
+      </p:pic>
+    </p:spTree>
+    <p:extLst>
+      <p:ext uri="{BB962C8B-B14F-4D97-AF65-F5344CB8AC3E}">
+        <p14:creationId xmlns:p14="http://schemas.microsoft.com/office/powerpoint/2010/main" val="357700063"/>
       </p:ext>
     </p:extLst>
   </p:cSld>
@@ -5145,7 +5356,7 @@
           <p:nvPr/>
         </p:nvPicPr>
         <p:blipFill>
-          <a:blip r:embed="rId2">
+          <a:blip r:embed="rId2" cstate="email">
             <a:extLst>
               <a:ext uri="{28A0092B-C50C-407E-A947-70E740481C1C}">
                 <a14:useLocalDpi xmlns:a14="http://schemas.microsoft.com/office/drawing/2010/main" val="0"/>
@@ -5268,7 +5479,7 @@
           <p:nvPr/>
         </p:nvPicPr>
         <p:blipFill>
-          <a:blip r:embed="rId2">
+          <a:blip r:embed="rId2" cstate="email">
             <a:extLst>
               <a:ext uri="{28A0092B-C50C-407E-A947-70E740481C1C}">
                 <a14:useLocalDpi xmlns:a14="http://schemas.microsoft.com/office/drawing/2010/main" val="0"/>
@@ -5399,7 +5610,7 @@
           <p:nvPr/>
         </p:nvPicPr>
         <p:blipFill>
-          <a:blip r:embed="rId2">
+          <a:blip r:embed="rId2" cstate="email">
             <a:extLst>
               <a:ext uri="{28A0092B-C50C-407E-A947-70E740481C1C}">
                 <a14:useLocalDpi xmlns:a14="http://schemas.microsoft.com/office/drawing/2010/main" val="0"/>
@@ -5609,7 +5820,7 @@
           <p:nvPr/>
         </p:nvPicPr>
         <p:blipFill>
-          <a:blip r:embed="rId2">
+          <a:blip r:embed="rId2" cstate="email">
             <a:extLst>
               <a:ext uri="{28A0092B-C50C-407E-A947-70E740481C1C}">
                 <a14:useLocalDpi xmlns:a14="http://schemas.microsoft.com/office/drawing/2010/main" val="0"/>
@@ -5726,7 +5937,7 @@
           <p:nvPr/>
         </p:nvPicPr>
         <p:blipFill>
-          <a:blip r:embed="rId2">
+          <a:blip r:embed="rId2" cstate="email">
             <a:extLst>
               <a:ext uri="{28A0092B-C50C-407E-A947-70E740481C1C}">
                 <a14:useLocalDpi xmlns:a14="http://schemas.microsoft.com/office/drawing/2010/main" val="0"/>
@@ -5843,7 +6054,7 @@
           <p:nvPr/>
         </p:nvPicPr>
         <p:blipFill>
-          <a:blip r:embed="rId2">
+          <a:blip r:embed="rId2" cstate="email">
             <a:extLst>
               <a:ext uri="{28A0092B-C50C-407E-A947-70E740481C1C}">
                 <a14:useLocalDpi xmlns:a14="http://schemas.microsoft.com/office/drawing/2010/main" val="0"/>
@@ -5969,7 +6180,7 @@
           <p:nvPr/>
         </p:nvPicPr>
         <p:blipFill>
-          <a:blip r:embed="rId2">
+          <a:blip r:embed="rId2" cstate="email">
             <a:extLst>
               <a:ext uri="{28A0092B-C50C-407E-A947-70E740481C1C}">
                 <a14:useLocalDpi xmlns:a14="http://schemas.microsoft.com/office/drawing/2010/main" val="0"/>
